--- a/DeliveryFolder/Final Presentation.pptx
+++ b/DeliveryFolder/Final Presentation.pptx
@@ -3678,12 +3678,9 @@
             </a:r>
             <a:r>
               <a:rPr lang="en-US" sz="3600" dirty="0"/>
-              <a:t>Allow Authorities to evaluate submitted reports and Citizens to visualize accepted ones with limited information</a:t>
-            </a:r>
-            <a:r>
-              <a:rPr lang="en-US" dirty="0"/>
-              <a:t>;</a:t>
-            </a:r>
+              <a:t>Allow Authorities to evaluate submitted reports and Citizens to visualize accepted ones with limited information;</a:t>
+            </a:r>
+            <a:endParaRPr lang="en-US" dirty="0"/>
           </a:p>
           <a:p>
             <a:pPr marL="285750" indent="-285750">
@@ -3698,16 +3695,12 @@
               <a:buChar char="•"/>
             </a:pPr>
             <a:r>
+              <a:rPr lang="en-US" sz="3600" b="1" dirty="0"/>
+              <a:t>[G8] </a:t>
+            </a:r>
+            <a:r>
               <a:rPr lang="en-US" sz="3600" dirty="0"/>
-              <a:t>[</a:t>
-            </a:r>
-            <a:r>
-              <a:rPr lang="en-US" sz="3600" b="1" dirty="0"/>
-              <a:t>G8</a:t>
-            </a:r>
-            <a:r>
-              <a:rPr lang="en-US" sz="3600" dirty="0"/>
-              <a:t>] Allow an Authority to link issued traffic tickets to relative Citizens reports;</a:t>
+              <a:t>Allow an Authority to link issued traffic tickets to relative Citizens reports.</a:t>
             </a:r>
             <a:endParaRPr lang="en-GB" sz="3600" dirty="0"/>
           </a:p>
@@ -3897,7 +3890,7 @@
             </a:pPr>
             <a:r>
               <a:rPr lang="en-GB" sz="3200" dirty="0"/>
-              <a:t>Authorities can’t generate ticket from the mobile app;</a:t>
+              <a:t>Authorities can’t generate tickets from the mobile app;</a:t>
             </a:r>
           </a:p>
           <a:p>
@@ -3914,7 +3907,7 @@
             </a:pPr>
             <a:r>
               <a:rPr lang="en-GB" sz="3200" dirty="0"/>
-              <a:t>Authorities can notify an accident only from the web app;</a:t>
+              <a:t>Authorities can notify an accident only from the web app.</a:t>
             </a:r>
           </a:p>
         </p:txBody>
